--- a/Short Course/Slides/Session 9.pptx
+++ b/Short Course/Slides/Session 9.pptx
@@ -5,7 +5,7 @@
     <p:sldMasterId id="2147483648" r:id="rId1"/>
   </p:sldMasterIdLst>
   <p:notesMasterIdLst>
-    <p:notesMasterId r:id="rId18"/>
+    <p:notesMasterId r:id="rId20"/>
   </p:notesMasterIdLst>
   <p:sldIdLst>
     <p:sldId id="257" r:id="rId2"/>
@@ -15,15 +15,17 @@
     <p:sldId id="281" r:id="rId6"/>
     <p:sldId id="297" r:id="rId7"/>
     <p:sldId id="282" r:id="rId8"/>
-    <p:sldId id="301" r:id="rId9"/>
-    <p:sldId id="302" r:id="rId10"/>
-    <p:sldId id="274" r:id="rId11"/>
-    <p:sldId id="288" r:id="rId12"/>
-    <p:sldId id="278" r:id="rId13"/>
-    <p:sldId id="279" r:id="rId14"/>
-    <p:sldId id="275" r:id="rId15"/>
-    <p:sldId id="276" r:id="rId16"/>
-    <p:sldId id="280" r:id="rId17"/>
+    <p:sldId id="304" r:id="rId9"/>
+    <p:sldId id="301" r:id="rId10"/>
+    <p:sldId id="302" r:id="rId11"/>
+    <p:sldId id="274" r:id="rId12"/>
+    <p:sldId id="288" r:id="rId13"/>
+    <p:sldId id="303" r:id="rId14"/>
+    <p:sldId id="278" r:id="rId15"/>
+    <p:sldId id="279" r:id="rId16"/>
+    <p:sldId id="275" r:id="rId17"/>
+    <p:sldId id="276" r:id="rId18"/>
+    <p:sldId id="280" r:id="rId19"/>
   </p:sldIdLst>
   <p:sldSz cx="12192000" cy="6858000"/>
   <p:notesSz cx="6858000" cy="9144000"/>
@@ -212,7 +214,7 @@
           <a:p>
             <a:fld id="{4C8D3772-F4E4-3048-A5CC-8BAEA75D7881}" type="datetimeFigureOut">
               <a:rPr lang="en-US" smtClean="0"/>
-              <a:t>9/8/21</a:t>
+              <a:t>9/16/21</a:t>
             </a:fld>
             <a:endParaRPr lang="en-US"/>
           </a:p>
@@ -673,7 +675,7 @@
             <a:fld id="{14C88E20-E5E9-004B-8630-8EDF43730190}" type="slidenum">
               <a:rPr lang="en-GB" smtClean="0"/>
               <a:pPr/>
-              <a:t>8</a:t>
+              <a:t>9</a:t>
             </a:fld>
             <a:endParaRPr lang="en-GB"/>
           </a:p>
@@ -839,7 +841,7 @@
           <a:p>
             <a:fld id="{ABE0B022-180D-C54E-81A5-B7D2ED151ED7}" type="datetime1">
               <a:rPr lang="en-US" smtClean="0"/>
-              <a:t>9/8/21</a:t>
+              <a:t>9/16/21</a:t>
             </a:fld>
             <a:endParaRPr lang="en-US"/>
           </a:p>
@@ -1134,7 +1136,7 @@
           <a:p>
             <a:fld id="{C105FC86-0BA4-3540-99B0-1B293173774B}" type="datetime1">
               <a:rPr lang="en-US" smtClean="0"/>
-              <a:t>9/8/21</a:t>
+              <a:t>9/16/21</a:t>
             </a:fld>
             <a:endParaRPr lang="en-US"/>
           </a:p>
@@ -1345,7 +1347,7 @@
           <a:p>
             <a:fld id="{0ABF9AF4-F9FD-6145-964E-172864B5DBDB}" type="datetime1">
               <a:rPr lang="en-US" smtClean="0"/>
-              <a:t>9/8/21</a:t>
+              <a:t>9/16/21</a:t>
             </a:fld>
             <a:endParaRPr lang="en-US"/>
           </a:p>
@@ -1556,7 +1558,7 @@
           <a:p>
             <a:fld id="{3D1164F5-68B2-984C-AACA-D362E965B9E6}" type="datetime1">
               <a:rPr lang="en-US" smtClean="0"/>
-              <a:t>9/8/21</a:t>
+              <a:t>9/16/21</a:t>
             </a:fld>
             <a:endParaRPr lang="en-US"/>
           </a:p>
@@ -1928,7 +1930,7 @@
           <a:p>
             <a:fld id="{D20B4FE4-D749-5F49-94DD-C02E52E4DA15}" type="datetime1">
               <a:rPr lang="en-US" smtClean="0"/>
-              <a:t>9/8/21</a:t>
+              <a:t>9/16/21</a:t>
             </a:fld>
             <a:endParaRPr lang="en-US"/>
           </a:p>
@@ -2196,7 +2198,7 @@
           <a:p>
             <a:fld id="{F539BBF0-7906-1D48-83AF-E596F77798B6}" type="datetime1">
               <a:rPr lang="en-US" smtClean="0"/>
-              <a:t>9/8/21</a:t>
+              <a:t>9/16/21</a:t>
             </a:fld>
             <a:endParaRPr lang="en-US"/>
           </a:p>
@@ -2611,7 +2613,7 @@
           <a:p>
             <a:fld id="{75E1BA3D-DD79-9C4D-ABEE-102B4BB250D7}" type="datetime1">
               <a:rPr lang="en-US" smtClean="0"/>
-              <a:t>9/8/21</a:t>
+              <a:t>9/16/21</a:t>
             </a:fld>
             <a:endParaRPr lang="en-US"/>
           </a:p>
@@ -2764,7 +2766,7 @@
           <a:p>
             <a:fld id="{FC4672AE-5B88-C04C-B51E-6A1EAD99A859}" type="datetime1">
               <a:rPr lang="en-US" smtClean="0"/>
-              <a:t>9/8/21</a:t>
+              <a:t>9/16/21</a:t>
             </a:fld>
             <a:endParaRPr lang="en-US"/>
           </a:p>
@@ -2974,7 +2976,7 @@
           <a:p>
             <a:fld id="{2097912B-BC40-3044-962A-F18ED63E9175}" type="datetime1">
               <a:rPr lang="en-US" smtClean="0"/>
-              <a:t>9/8/21</a:t>
+              <a:t>9/16/21</a:t>
             </a:fld>
             <a:endParaRPr lang="en-US"/>
           </a:p>
@@ -3382,7 +3384,7 @@
           <a:p>
             <a:fld id="{A06F29CB-D07A-7749-BBC2-77210064D9AF}" type="datetime1">
               <a:rPr lang="en-US" smtClean="0"/>
-              <a:t>9/8/21</a:t>
+              <a:t>9/16/21</a:t>
             </a:fld>
             <a:endParaRPr lang="en-US"/>
           </a:p>
@@ -3676,7 +3678,7 @@
           <a:p>
             <a:fld id="{E860C466-4C0F-2A46-B6E1-94DDACB21568}" type="datetime1">
               <a:rPr lang="en-US" smtClean="0"/>
-              <a:t>9/8/21</a:t>
+              <a:t>9/16/21</a:t>
             </a:fld>
             <a:endParaRPr lang="en-US"/>
           </a:p>
@@ -3920,7 +3922,7 @@
           <a:p>
             <a:fld id="{D0312934-9BB0-614A-986D-0629725C6653}" type="datetime1">
               <a:rPr lang="en-US" smtClean="0"/>
-              <a:t>9/8/21</a:t>
+              <a:t>9/16/21</a:t>
             </a:fld>
             <a:endParaRPr lang="en-US"/>
           </a:p>
@@ -4461,6 +4463,154 @@
       </p:grpSpPr>
       <p:sp>
         <p:nvSpPr>
+          <p:cNvPr id="2" name="Title 1">
+            <a:extLst>
+              <a:ext uri="{FF2B5EF4-FFF2-40B4-BE49-F238E27FC236}">
+                <a16:creationId xmlns:a16="http://schemas.microsoft.com/office/drawing/2014/main" id="{6C471F14-062D-7B4B-9BE9-2741CAE776D6}"/>
+              </a:ext>
+            </a:extLst>
+          </p:cNvPr>
+          <p:cNvSpPr>
+            <a:spLocks noGrp="1"/>
+          </p:cNvSpPr>
+          <p:nvPr>
+            <p:ph type="title"/>
+          </p:nvPr>
+        </p:nvSpPr>
+        <p:spPr/>
+        <p:txBody>
+          <a:bodyPr/>
+          <a:lstStyle/>
+          <a:p>
+            <a:r>
+              <a:rPr lang="en-US" dirty="0"/>
+              <a:t>Listener Diagram</a:t>
+            </a:r>
+          </a:p>
+        </p:txBody>
+      </p:sp>
+      <p:sp>
+        <p:nvSpPr>
+          <p:cNvPr id="4" name="Footer Placeholder 3">
+            <a:extLst>
+              <a:ext uri="{FF2B5EF4-FFF2-40B4-BE49-F238E27FC236}">
+                <a16:creationId xmlns:a16="http://schemas.microsoft.com/office/drawing/2014/main" id="{298D335D-55DB-9548-A7A1-B2FD7A964CFE}"/>
+              </a:ext>
+            </a:extLst>
+          </p:cNvPr>
+          <p:cNvSpPr>
+            <a:spLocks noGrp="1"/>
+          </p:cNvSpPr>
+          <p:nvPr>
+            <p:ph type="ftr" idx="11"/>
+          </p:nvPr>
+        </p:nvSpPr>
+        <p:spPr/>
+        <p:txBody>
+          <a:bodyPr/>
+          <a:lstStyle/>
+          <a:p>
+            <a:pPr>
+              <a:defRPr/>
+            </a:pPr>
+            <a:r>
+              <a:rPr lang="en-GB"/>
+              <a:t>DES Short Course - Session 9</a:t>
+            </a:r>
+          </a:p>
+        </p:txBody>
+      </p:sp>
+      <p:pic>
+        <p:nvPicPr>
+          <p:cNvPr id="6" name="Picture 5">
+            <a:extLst>
+              <a:ext uri="{FF2B5EF4-FFF2-40B4-BE49-F238E27FC236}">
+                <a16:creationId xmlns:a16="http://schemas.microsoft.com/office/drawing/2014/main" id="{7DDD4473-B78E-A046-857A-631E16DBD559}"/>
+              </a:ext>
+            </a:extLst>
+          </p:cNvPr>
+          <p:cNvPicPr>
+            <a:picLocks noChangeAspect="1"/>
+          </p:cNvPicPr>
+          <p:nvPr/>
+        </p:nvPicPr>
+        <p:blipFill>
+          <a:blip r:embed="rId2"/>
+          <a:stretch>
+            <a:fillRect/>
+          </a:stretch>
+        </p:blipFill>
+        <p:spPr>
+          <a:xfrm>
+            <a:off x="3726656" y="2819400"/>
+            <a:ext cx="4737100" cy="965200"/>
+          </a:xfrm>
+          <a:prstGeom prst="rect">
+            <a:avLst/>
+          </a:prstGeom>
+        </p:spPr>
+      </p:pic>
+      <p:sp>
+        <p:nvSpPr>
+          <p:cNvPr id="7" name="Slide Number Placeholder 6">
+            <a:extLst>
+              <a:ext uri="{FF2B5EF4-FFF2-40B4-BE49-F238E27FC236}">
+                <a16:creationId xmlns:a16="http://schemas.microsoft.com/office/drawing/2014/main" id="{1C210196-D02F-DD49-B1F3-2B3503325049}"/>
+              </a:ext>
+            </a:extLst>
+          </p:cNvPr>
+          <p:cNvSpPr>
+            <a:spLocks noGrp="1"/>
+          </p:cNvSpPr>
+          <p:nvPr>
+            <p:ph type="sldNum" sz="quarter" idx="12"/>
+          </p:nvPr>
+        </p:nvSpPr>
+        <p:spPr/>
+        <p:txBody>
+          <a:bodyPr/>
+          <a:lstStyle/>
+          <a:p>
+            <a:fld id="{7B5F8CF4-080C-6448-A4C0-B6A3C5CD13C0}" type="slidenum">
+              <a:rPr lang="en-US" smtClean="0"/>
+              <a:t>10</a:t>
+            </a:fld>
+            <a:endParaRPr lang="en-US"/>
+          </a:p>
+        </p:txBody>
+      </p:sp>
+    </p:spTree>
+    <p:extLst>
+      <p:ext uri="{BB962C8B-B14F-4D97-AF65-F5344CB8AC3E}">
+        <p14:creationId xmlns:p14="http://schemas.microsoft.com/office/powerpoint/2010/main" val="2595670262"/>
+      </p:ext>
+    </p:extLst>
+  </p:cSld>
+  <p:clrMapOvr>
+    <a:masterClrMapping/>
+  </p:clrMapOvr>
+</p:sld>
+</file>
+
+<file path=ppt/slides/slide11.xml><?xml version="1.0" encoding="utf-8"?>
+<p:sld xmlns:a="http://schemas.openxmlformats.org/drawingml/2006/main" xmlns:r="http://schemas.openxmlformats.org/officeDocument/2006/relationships" xmlns:p="http://schemas.openxmlformats.org/presentationml/2006/main">
+  <p:cSld>
+    <p:spTree>
+      <p:nvGrpSpPr>
+        <p:cNvPr id="1" name=""/>
+        <p:cNvGrpSpPr/>
+        <p:nvPr/>
+      </p:nvGrpSpPr>
+      <p:grpSpPr>
+        <a:xfrm>
+          <a:off x="0" y="0"/>
+          <a:ext cx="0" cy="0"/>
+          <a:chOff x="0" y="0"/>
+          <a:chExt cx="0" cy="0"/>
+        </a:xfrm>
+      </p:grpSpPr>
+      <p:sp>
+        <p:nvSpPr>
           <p:cNvPr id="6146" name="Title 5"/>
           <p:cNvSpPr>
             <a:spLocks noGrp="1"/>
@@ -5299,7 +5449,7 @@
                 </a:solidFill>
               </a:rPr>
               <a:pPr eaLnBrk="1" hangingPunct="1"/>
-              <a:t>10</a:t>
+              <a:t>11</a:t>
             </a:fld>
             <a:endParaRPr lang="en-GB">
               <a:solidFill>
@@ -5322,7 +5472,7 @@
 </p:sld>
 </file>
 
-<file path=ppt/slides/slide11.xml><?xml version="1.0" encoding="utf-8"?>
+<file path=ppt/slides/slide12.xml><?xml version="1.0" encoding="utf-8"?>
 <p:sld xmlns:a="http://schemas.openxmlformats.org/drawingml/2006/main" xmlns:r="http://schemas.openxmlformats.org/officeDocument/2006/relationships" xmlns:p="http://schemas.openxmlformats.org/presentationml/2006/main">
   <p:cSld>
     <p:spTree>
@@ -5422,7 +5572,7 @@
             <a:fld id="{65C34BB6-8AB1-574D-B3D8-E18208555613}" type="slidenum">
               <a:rPr lang="en-GB" smtClean="0"/>
               <a:pPr/>
-              <a:t>11</a:t>
+              <a:t>12</a:t>
             </a:fld>
             <a:endParaRPr lang="en-GB"/>
           </a:p>
@@ -5471,7 +5621,7 @@
 </p:sld>
 </file>
 
-<file path=ppt/slides/slide12.xml><?xml version="1.0" encoding="utf-8"?>
+<file path=ppt/slides/slide13.xml><?xml version="1.0" encoding="utf-8"?>
 <p:sld xmlns:a="http://schemas.openxmlformats.org/drawingml/2006/main" xmlns:r="http://schemas.openxmlformats.org/officeDocument/2006/relationships" xmlns:p="http://schemas.openxmlformats.org/presentationml/2006/main">
   <p:cSld>
     <p:spTree>
@@ -5490,6 +5640,179 @@
       </p:grpSpPr>
       <p:sp>
         <p:nvSpPr>
+          <p:cNvPr id="5" name="Title 4">
+            <a:extLst>
+              <a:ext uri="{FF2B5EF4-FFF2-40B4-BE49-F238E27FC236}">
+                <a16:creationId xmlns:a16="http://schemas.microsoft.com/office/drawing/2014/main" id="{AAF2E6FB-BA6B-7940-92B3-8B326971D191}"/>
+              </a:ext>
+            </a:extLst>
+          </p:cNvPr>
+          <p:cNvSpPr>
+            <a:spLocks noGrp="1"/>
+          </p:cNvSpPr>
+          <p:nvPr>
+            <p:ph type="title"/>
+          </p:nvPr>
+        </p:nvSpPr>
+        <p:spPr/>
+        <p:txBody>
+          <a:bodyPr/>
+          <a:lstStyle/>
+          <a:p>
+            <a:r>
+              <a:rPr lang="en-US" dirty="0"/>
+              <a:t>Multiple Server Queue Revisited</a:t>
+            </a:r>
+          </a:p>
+        </p:txBody>
+      </p:sp>
+      <p:sp>
+        <p:nvSpPr>
+          <p:cNvPr id="6" name="Content Placeholder 5">
+            <a:extLst>
+              <a:ext uri="{FF2B5EF4-FFF2-40B4-BE49-F238E27FC236}">
+                <a16:creationId xmlns:a16="http://schemas.microsoft.com/office/drawing/2014/main" id="{A9AE3202-979A-5745-A0CD-541E66DF6A33}"/>
+              </a:ext>
+            </a:extLst>
+          </p:cNvPr>
+          <p:cNvSpPr>
+            <a:spLocks noGrp="1"/>
+          </p:cNvSpPr>
+          <p:nvPr>
+            <p:ph idx="1"/>
+          </p:nvPr>
+        </p:nvSpPr>
+        <p:spPr/>
+        <p:txBody>
+          <a:bodyPr/>
+          <a:lstStyle/>
+          <a:p>
+            <a:r>
+              <a:rPr lang="en-US" dirty="0"/>
+              <a:t>We want to explicitly estimate …</a:t>
+            </a:r>
+          </a:p>
+          <a:p>
+            <a:pPr lvl="1"/>
+            <a:r>
+              <a:rPr lang="en-US" dirty="0"/>
+              <a:t>Average delay in queue</a:t>
+            </a:r>
+          </a:p>
+          <a:p>
+            <a:pPr lvl="1"/>
+            <a:r>
+              <a:rPr lang="en-US" dirty="0"/>
+              <a:t>Average time in system</a:t>
+            </a:r>
+          </a:p>
+          <a:p>
+            <a:r>
+              <a:rPr lang="en-US" dirty="0"/>
+              <a:t>Verify Little’s formula</a:t>
+            </a:r>
+          </a:p>
+          <a:p>
+            <a:r>
+              <a:rPr lang="en-US" dirty="0"/>
+              <a:t>Model </a:t>
+            </a:r>
+            <a:r>
+              <a:rPr lang="en-US"/>
+              <a:t>individual customers</a:t>
+            </a:r>
+          </a:p>
+        </p:txBody>
+      </p:sp>
+      <p:sp>
+        <p:nvSpPr>
+          <p:cNvPr id="3" name="Footer Placeholder 2">
+            <a:extLst>
+              <a:ext uri="{FF2B5EF4-FFF2-40B4-BE49-F238E27FC236}">
+                <a16:creationId xmlns:a16="http://schemas.microsoft.com/office/drawing/2014/main" id="{D0A43C26-41FC-4249-B866-64F39338F28B}"/>
+              </a:ext>
+            </a:extLst>
+          </p:cNvPr>
+          <p:cNvSpPr>
+            <a:spLocks noGrp="1"/>
+          </p:cNvSpPr>
+          <p:nvPr>
+            <p:ph type="ftr" sz="quarter" idx="11"/>
+          </p:nvPr>
+        </p:nvSpPr>
+        <p:spPr/>
+        <p:txBody>
+          <a:bodyPr/>
+          <a:lstStyle/>
+          <a:p>
+            <a:r>
+              <a:rPr lang="en-US"/>
+              <a:t>DES Short Course - Session 9</a:t>
+            </a:r>
+          </a:p>
+        </p:txBody>
+      </p:sp>
+      <p:sp>
+        <p:nvSpPr>
+          <p:cNvPr id="4" name="Slide Number Placeholder 3">
+            <a:extLst>
+              <a:ext uri="{FF2B5EF4-FFF2-40B4-BE49-F238E27FC236}">
+                <a16:creationId xmlns:a16="http://schemas.microsoft.com/office/drawing/2014/main" id="{53309E5D-AF61-774B-BB21-FD75ED265589}"/>
+              </a:ext>
+            </a:extLst>
+          </p:cNvPr>
+          <p:cNvSpPr>
+            <a:spLocks noGrp="1"/>
+          </p:cNvSpPr>
+          <p:nvPr>
+            <p:ph type="sldNum" sz="quarter" idx="12"/>
+          </p:nvPr>
+        </p:nvSpPr>
+        <p:spPr/>
+        <p:txBody>
+          <a:bodyPr/>
+          <a:lstStyle/>
+          <a:p>
+            <a:fld id="{7B5F8CF4-080C-6448-A4C0-B6A3C5CD13C0}" type="slidenum">
+              <a:rPr lang="en-US" smtClean="0"/>
+              <a:t>13</a:t>
+            </a:fld>
+            <a:endParaRPr lang="en-US"/>
+          </a:p>
+        </p:txBody>
+      </p:sp>
+    </p:spTree>
+    <p:extLst>
+      <p:ext uri="{BB962C8B-B14F-4D97-AF65-F5344CB8AC3E}">
+        <p14:creationId xmlns:p14="http://schemas.microsoft.com/office/powerpoint/2010/main" val="3881671524"/>
+      </p:ext>
+    </p:extLst>
+  </p:cSld>
+  <p:clrMapOvr>
+    <a:masterClrMapping/>
+  </p:clrMapOvr>
+</p:sld>
+</file>
+
+<file path=ppt/slides/slide14.xml><?xml version="1.0" encoding="utf-8"?>
+<p:sld xmlns:a="http://schemas.openxmlformats.org/drawingml/2006/main" xmlns:r="http://schemas.openxmlformats.org/officeDocument/2006/relationships" xmlns:p="http://schemas.openxmlformats.org/presentationml/2006/main">
+  <p:cSld>
+    <p:spTree>
+      <p:nvGrpSpPr>
+        <p:cNvPr id="1" name=""/>
+        <p:cNvGrpSpPr/>
+        <p:nvPr/>
+      </p:nvGrpSpPr>
+      <p:grpSpPr>
+        <a:xfrm>
+          <a:off x="0" y="0"/>
+          <a:ext cx="0" cy="0"/>
+          <a:chOff x="0" y="0"/>
+          <a:chExt cx="0" cy="0"/>
+        </a:xfrm>
+      </p:grpSpPr>
+      <p:sp>
+        <p:nvSpPr>
           <p:cNvPr id="2" name="Title 1"/>
           <p:cNvSpPr>
             <a:spLocks noGrp="1"/>
@@ -5647,7 +5970,7 @@
           <a:p>
             <a:fld id="{84C24B0D-CCED-D546-A897-00722E348649}" type="slidenum">
               <a:rPr lang="en-US" smtClean="0"/>
-              <a:t>12</a:t>
+              <a:t>14</a:t>
             </a:fld>
             <a:endParaRPr lang="en-US"/>
           </a:p>
@@ -5666,7 +5989,7 @@
 </p:sld>
 </file>
 
-<file path=ppt/slides/slide13.xml><?xml version="1.0" encoding="utf-8"?>
+<file path=ppt/slides/slide15.xml><?xml version="1.0" encoding="utf-8"?>
 <p:sld xmlns:a="http://schemas.openxmlformats.org/drawingml/2006/main" xmlns:r="http://schemas.openxmlformats.org/officeDocument/2006/relationships" xmlns:p="http://schemas.openxmlformats.org/presentationml/2006/main">
   <p:cSld>
     <p:spTree>
@@ -6348,7 +6671,7 @@
                 </a:solidFill>
               </a:rPr>
               <a:pPr eaLnBrk="1" hangingPunct="1"/>
-              <a:t>13</a:t>
+              <a:t>15</a:t>
             </a:fld>
             <a:endParaRPr lang="en-GB">
               <a:solidFill>
@@ -6452,7 +6775,7 @@
 </p:sld>
 </file>
 
-<file path=ppt/slides/slide14.xml><?xml version="1.0" encoding="utf-8"?>
+<file path=ppt/slides/slide16.xml><?xml version="1.0" encoding="utf-8"?>
 <p:sld xmlns:a="http://schemas.openxmlformats.org/drawingml/2006/main" xmlns:r="http://schemas.openxmlformats.org/officeDocument/2006/relationships" xmlns:p="http://schemas.openxmlformats.org/presentationml/2006/main">
   <p:cSld>
     <p:spTree>
@@ -7134,7 +7457,7 @@
                 </a:solidFill>
               </a:rPr>
               <a:pPr eaLnBrk="1" hangingPunct="1"/>
-              <a:t>14</a:t>
+              <a:t>16</a:t>
             </a:fld>
             <a:endParaRPr lang="en-GB">
               <a:solidFill>
@@ -7181,7 +7504,7 @@
 </p:sld>
 </file>
 
-<file path=ppt/slides/slide15.xml><?xml version="1.0" encoding="utf-8"?>
+<file path=ppt/slides/slide17.xml><?xml version="1.0" encoding="utf-8"?>
 <p:sld xmlns:a="http://schemas.openxmlformats.org/drawingml/2006/main" xmlns:r="http://schemas.openxmlformats.org/officeDocument/2006/relationships" xmlns:p="http://schemas.openxmlformats.org/presentationml/2006/main">
   <p:cSld>
     <p:spTree>
@@ -7268,7 +7591,7 @@
           <a:p>
             <a:fld id="{A82441E6-4DC9-2944-A650-417AEB463F33}" type="slidenum">
               <a:rPr lang="en-US" smtClean="0"/>
-              <a:t>15</a:t>
+              <a:t>17</a:t>
             </a:fld>
             <a:endParaRPr lang="en-US"/>
           </a:p>
@@ -7383,7 +7706,7 @@
 </p:sld>
 </file>
 
-<file path=ppt/slides/slide16.xml><?xml version="1.0" encoding="utf-8"?>
+<file path=ppt/slides/slide18.xml><?xml version="1.0" encoding="utf-8"?>
 <p:sld xmlns:a="http://schemas.openxmlformats.org/drawingml/2006/main" xmlns:r="http://schemas.openxmlformats.org/officeDocument/2006/relationships" xmlns:p="http://schemas.openxmlformats.org/presentationml/2006/main">
   <p:cSld>
     <p:spTree>
@@ -7466,7 +7789,7 @@
             <a:fld id="{0095052F-B4E8-6A4C-AA5E-F8DF7AA2422A}" type="slidenum">
               <a:rPr lang="en-GB" smtClean="0"/>
               <a:pPr/>
-              <a:t>16</a:t>
+              <a:t>18</a:t>
             </a:fld>
             <a:endParaRPr lang="en-GB"/>
           </a:p>
@@ -8543,14 +8866,14 @@
                 <a:latin typeface="Calibri" charset="0"/>
                 <a:ea typeface="ＭＳ Ｐゴシック" charset="0"/>
               </a:rPr>
-              <a:t>0</a:t>
+              <a:t>0 </a:t>
             </a:r>
             <a:r>
               <a:rPr lang="en-US" dirty="0">
                 <a:latin typeface="Calibri" charset="0"/>
                 <a:ea typeface="ＭＳ Ｐゴシック" charset="0"/>
               </a:rPr>
-              <a:t>,= # available type </a:t>
+              <a:t>= # available type </a:t>
             </a:r>
             <a:r>
               <a:rPr lang="en-US" dirty="0">
@@ -9025,7 +9348,7 @@
           <p:cNvPr id="2" name="Title 1">
             <a:extLst>
               <a:ext uri="{FF2B5EF4-FFF2-40B4-BE49-F238E27FC236}">
-                <a16:creationId xmlns:a16="http://schemas.microsoft.com/office/drawing/2014/main" id="{68AC8252-17A8-1847-BE26-19DE018353A3}"/>
+                <a16:creationId xmlns:a16="http://schemas.microsoft.com/office/drawing/2014/main" id="{ECF4D3CF-E444-3F4B-AE9E-3665B908E5D5}"/>
               </a:ext>
             </a:extLst>
           </p:cNvPr>
@@ -9043,25 +9366,25 @@
           <a:p>
             <a:r>
               <a:rPr lang="en-US" dirty="0"/>
-              <a:t>Same Model with Arguments</a:t>
-            </a:r>
-          </a:p>
-        </p:txBody>
-      </p:sp>
-      <p:sp>
-        <p:nvSpPr>
-          <p:cNvPr id="5" name="Footer Placeholder 4">
-            <a:extLst>
-              <a:ext uri="{FF2B5EF4-FFF2-40B4-BE49-F238E27FC236}">
-                <a16:creationId xmlns:a16="http://schemas.microsoft.com/office/drawing/2014/main" id="{83C76184-FA64-A04B-B101-4C340DFF4DC0}"/>
-              </a:ext>
-            </a:extLst>
-          </p:cNvPr>
-          <p:cNvSpPr>
-            <a:spLocks noGrp="1"/>
-          </p:cNvSpPr>
-          <p:nvPr>
-            <p:ph type="ftr" idx="11"/>
+              <a:t>Flip Coin For Server</a:t>
+            </a:r>
+          </a:p>
+        </p:txBody>
+      </p:sp>
+      <p:sp>
+        <p:nvSpPr>
+          <p:cNvPr id="3" name="Footer Placeholder 2">
+            <a:extLst>
+              <a:ext uri="{FF2B5EF4-FFF2-40B4-BE49-F238E27FC236}">
+                <a16:creationId xmlns:a16="http://schemas.microsoft.com/office/drawing/2014/main" id="{F4B43C0D-B307-7640-8490-38DA309DC892}"/>
+              </a:ext>
+            </a:extLst>
+          </p:cNvPr>
+          <p:cNvSpPr>
+            <a:spLocks noGrp="1"/>
+          </p:cNvSpPr>
+          <p:nvPr>
+            <p:ph type="ftr" sz="quarter" idx="11"/>
           </p:nvPr>
         </p:nvSpPr>
         <p:spPr/>
@@ -9069,22 +9392,48 @@
           <a:bodyPr/>
           <a:lstStyle/>
           <a:p>
-            <a:pPr>
-              <a:defRPr/>
-            </a:pPr>
-            <a:r>
-              <a:rPr lang="en-GB"/>
+            <a:r>
+              <a:rPr lang="en-US"/>
               <a:t>DES Short Course - Session 9</a:t>
             </a:r>
+          </a:p>
+        </p:txBody>
+      </p:sp>
+      <p:sp>
+        <p:nvSpPr>
+          <p:cNvPr id="4" name="Slide Number Placeholder 3">
+            <a:extLst>
+              <a:ext uri="{FF2B5EF4-FFF2-40B4-BE49-F238E27FC236}">
+                <a16:creationId xmlns:a16="http://schemas.microsoft.com/office/drawing/2014/main" id="{AC6D625B-BA5C-8F4D-81DE-A27ABC64DC40}"/>
+              </a:ext>
+            </a:extLst>
+          </p:cNvPr>
+          <p:cNvSpPr>
+            <a:spLocks noGrp="1"/>
+          </p:cNvSpPr>
+          <p:nvPr>
+            <p:ph type="sldNum" sz="quarter" idx="12"/>
+          </p:nvPr>
+        </p:nvSpPr>
+        <p:spPr/>
+        <p:txBody>
+          <a:bodyPr/>
+          <a:lstStyle/>
+          <a:p>
+            <a:fld id="{7B5F8CF4-080C-6448-A4C0-B6A3C5CD13C0}" type="slidenum">
+              <a:rPr lang="en-US" smtClean="0"/>
+              <a:t>8</a:t>
+            </a:fld>
+            <a:endParaRPr lang="en-US"/>
           </a:p>
         </p:txBody>
       </p:sp>
       <p:pic>
         <p:nvPicPr>
-          <p:cNvPr id="7" name="Picture 6">
-            <a:extLst>
-              <a:ext uri="{FF2B5EF4-FFF2-40B4-BE49-F238E27FC236}">
-                <a16:creationId xmlns:a16="http://schemas.microsoft.com/office/drawing/2014/main" id="{6E4962E5-C727-C041-8326-46A8A28B0CCD}"/>
+          <p:cNvPr id="5" name="Picture 4">
+            <a:extLst>
+              <a:ext uri="{FF2B5EF4-FFF2-40B4-BE49-F238E27FC236}">
+                <a16:creationId xmlns:a16="http://schemas.microsoft.com/office/drawing/2014/main" id="{D7611291-62B3-834E-91DA-ADFA58AD6F15}"/>
               </a:ext>
             </a:extLst>
           </p:cNvPr>
@@ -9094,15 +9443,15 @@
           <p:nvPr/>
         </p:nvPicPr>
         <p:blipFill>
-          <a:blip r:embed="rId3"/>
+          <a:blip r:embed="rId2"/>
           <a:stretch>
             <a:fillRect/>
           </a:stretch>
         </p:blipFill>
         <p:spPr>
           <a:xfrm>
-            <a:off x="3352800" y="1295400"/>
-            <a:ext cx="5245100" cy="4533900"/>
+            <a:off x="3695484" y="2003862"/>
+            <a:ext cx="3822700" cy="3365500"/>
           </a:xfrm>
           <a:prstGeom prst="rect">
             <a:avLst/>
@@ -9111,37 +9460,43 @@
       </p:pic>
       <p:sp>
         <p:nvSpPr>
-          <p:cNvPr id="3" name="Slide Number Placeholder 2">
-            <a:extLst>
-              <a:ext uri="{FF2B5EF4-FFF2-40B4-BE49-F238E27FC236}">
-                <a16:creationId xmlns:a16="http://schemas.microsoft.com/office/drawing/2014/main" id="{E28C5C40-60C6-4948-8668-09640E228337}"/>
-              </a:ext>
-            </a:extLst>
-          </p:cNvPr>
-          <p:cNvSpPr>
-            <a:spLocks noGrp="1"/>
-          </p:cNvSpPr>
-          <p:nvPr>
-            <p:ph type="sldNum" sz="quarter" idx="12"/>
-          </p:nvPr>
-        </p:nvSpPr>
-        <p:spPr/>
-        <p:txBody>
-          <a:bodyPr/>
-          <a:lstStyle/>
-          <a:p>
-            <a:fld id="{7B5F8CF4-080C-6448-A4C0-B6A3C5CD13C0}" type="slidenum">
-              <a:rPr lang="en-US" smtClean="0"/>
-              <a:t>8</a:t>
-            </a:fld>
-            <a:endParaRPr lang="en-US"/>
+          <p:cNvPr id="7" name="TextBox 6">
+            <a:extLst>
+              <a:ext uri="{FF2B5EF4-FFF2-40B4-BE49-F238E27FC236}">
+                <a16:creationId xmlns:a16="http://schemas.microsoft.com/office/drawing/2014/main" id="{3D47A157-A835-5442-A8A6-2228C5576098}"/>
+              </a:ext>
+            </a:extLst>
+          </p:cNvPr>
+          <p:cNvSpPr txBox="1"/>
+          <p:nvPr/>
+        </p:nvSpPr>
+        <p:spPr>
+          <a:xfrm>
+            <a:off x="1398276" y="2504661"/>
+            <a:ext cx="1255472" cy="369332"/>
+          </a:xfrm>
+          <a:prstGeom prst="rect">
+            <a:avLst/>
+          </a:prstGeom>
+          <a:noFill/>
+        </p:spPr>
+        <p:txBody>
+          <a:bodyPr wrap="none" rtlCol="0">
+            <a:spAutoFit/>
+          </a:bodyPr>
+          <a:lstStyle/>
+          <a:p>
+            <a:r>
+              <a:rPr lang="en-US" dirty="0"/>
+              <a:t>U ~ Un(0,1)</a:t>
+            </a:r>
           </a:p>
         </p:txBody>
       </p:sp>
     </p:spTree>
     <p:extLst>
       <p:ext uri="{BB962C8B-B14F-4D97-AF65-F5344CB8AC3E}">
-        <p14:creationId xmlns:p14="http://schemas.microsoft.com/office/powerpoint/2010/main" val="405853359"/>
+        <p14:creationId xmlns:p14="http://schemas.microsoft.com/office/powerpoint/2010/main" val="2220305287"/>
       </p:ext>
     </p:extLst>
   </p:cSld>
@@ -9173,7 +9528,7 @@
           <p:cNvPr id="2" name="Title 1">
             <a:extLst>
               <a:ext uri="{FF2B5EF4-FFF2-40B4-BE49-F238E27FC236}">
-                <a16:creationId xmlns:a16="http://schemas.microsoft.com/office/drawing/2014/main" id="{6C471F14-062D-7B4B-9BE9-2741CAE776D6}"/>
+                <a16:creationId xmlns:a16="http://schemas.microsoft.com/office/drawing/2014/main" id="{68AC8252-17A8-1847-BE26-19DE018353A3}"/>
               </a:ext>
             </a:extLst>
           </p:cNvPr>
@@ -9191,17 +9546,17 @@
           <a:p>
             <a:r>
               <a:rPr lang="en-US" dirty="0"/>
-              <a:t>Listener Diagram</a:t>
-            </a:r>
-          </a:p>
-        </p:txBody>
-      </p:sp>
-      <p:sp>
-        <p:nvSpPr>
-          <p:cNvPr id="4" name="Footer Placeholder 3">
-            <a:extLst>
-              <a:ext uri="{FF2B5EF4-FFF2-40B4-BE49-F238E27FC236}">
-                <a16:creationId xmlns:a16="http://schemas.microsoft.com/office/drawing/2014/main" id="{298D335D-55DB-9548-A7A1-B2FD7A964CFE}"/>
+              <a:t>Same Model with Arguments</a:t>
+            </a:r>
+          </a:p>
+        </p:txBody>
+      </p:sp>
+      <p:sp>
+        <p:nvSpPr>
+          <p:cNvPr id="5" name="Footer Placeholder 4">
+            <a:extLst>
+              <a:ext uri="{FF2B5EF4-FFF2-40B4-BE49-F238E27FC236}">
+                <a16:creationId xmlns:a16="http://schemas.microsoft.com/office/drawing/2014/main" id="{83C76184-FA64-A04B-B101-4C340DFF4DC0}"/>
               </a:ext>
             </a:extLst>
           </p:cNvPr>
@@ -9229,10 +9584,10 @@
       </p:sp>
       <p:pic>
         <p:nvPicPr>
-          <p:cNvPr id="6" name="Picture 5">
-            <a:extLst>
-              <a:ext uri="{FF2B5EF4-FFF2-40B4-BE49-F238E27FC236}">
-                <a16:creationId xmlns:a16="http://schemas.microsoft.com/office/drawing/2014/main" id="{7DDD4473-B78E-A046-857A-631E16DBD559}"/>
+          <p:cNvPr id="7" name="Picture 6">
+            <a:extLst>
+              <a:ext uri="{FF2B5EF4-FFF2-40B4-BE49-F238E27FC236}">
+                <a16:creationId xmlns:a16="http://schemas.microsoft.com/office/drawing/2014/main" id="{6E4962E5-C727-C041-8326-46A8A28B0CCD}"/>
               </a:ext>
             </a:extLst>
           </p:cNvPr>
@@ -9242,15 +9597,15 @@
           <p:nvPr/>
         </p:nvPicPr>
         <p:blipFill>
-          <a:blip r:embed="rId2"/>
+          <a:blip r:embed="rId3"/>
           <a:stretch>
             <a:fillRect/>
           </a:stretch>
         </p:blipFill>
         <p:spPr>
           <a:xfrm>
-            <a:off x="3726656" y="2819400"/>
-            <a:ext cx="4737100" cy="965200"/>
+            <a:off x="3352800" y="1295400"/>
+            <a:ext cx="5245100" cy="4533900"/>
           </a:xfrm>
           <a:prstGeom prst="rect">
             <a:avLst/>
@@ -9259,10 +9614,10 @@
       </p:pic>
       <p:sp>
         <p:nvSpPr>
-          <p:cNvPr id="7" name="Slide Number Placeholder 6">
-            <a:extLst>
-              <a:ext uri="{FF2B5EF4-FFF2-40B4-BE49-F238E27FC236}">
-                <a16:creationId xmlns:a16="http://schemas.microsoft.com/office/drawing/2014/main" id="{1C210196-D02F-DD49-B1F3-2B3503325049}"/>
+          <p:cNvPr id="3" name="Slide Number Placeholder 2">
+            <a:extLst>
+              <a:ext uri="{FF2B5EF4-FFF2-40B4-BE49-F238E27FC236}">
+                <a16:creationId xmlns:a16="http://schemas.microsoft.com/office/drawing/2014/main" id="{E28C5C40-60C6-4948-8668-09640E228337}"/>
               </a:ext>
             </a:extLst>
           </p:cNvPr>
@@ -9289,7 +9644,7 @@
     </p:spTree>
     <p:extLst>
       <p:ext uri="{BB962C8B-B14F-4D97-AF65-F5344CB8AC3E}">
-        <p14:creationId xmlns:p14="http://schemas.microsoft.com/office/powerpoint/2010/main" val="2595670262"/>
+        <p14:creationId xmlns:p14="http://schemas.microsoft.com/office/powerpoint/2010/main" val="405853359"/>
       </p:ext>
     </p:extLst>
   </p:cSld>
